--- a/slides/08-24-postulates.pptx
+++ b/slides/08-24-postulates.pptx
@@ -9935,7 +9935,7 @@
               </m:oMath>
             </a14:m>
             <a:r>
-              <a:t>. </a:t>
+              <a:t>; </a:t>
             </a:r>
             <a14:m>
               <m:oMath>
